--- a/Document/Image.pptx
+++ b/Document/Image.pptx
@@ -7,6 +7,7 @@
   <p:sldIdLst>
     <p:sldId id="256" r:id="rId2"/>
     <p:sldId id="257" r:id="rId3"/>
+    <p:sldId id="258" r:id="rId4"/>
   </p:sldIdLst>
   <p:sldSz cx="12192000" cy="6858000"/>
   <p:notesSz cx="6858000" cy="9144000"/>
@@ -260,7 +261,7 @@
           <a:p>
             <a:fld id="{67E942F3-D334-4749-BB9F-878947397200}" type="datetimeFigureOut">
               <a:rPr lang="ko-KR" altLang="en-US" smtClean="0"/>
-              <a:t>2024-10-20</a:t>
+              <a:t>2024-10-21</a:t>
             </a:fld>
             <a:endParaRPr lang="ko-KR" altLang="en-US"/>
           </a:p>
@@ -458,7 +459,7 @@
           <a:p>
             <a:fld id="{67E942F3-D334-4749-BB9F-878947397200}" type="datetimeFigureOut">
               <a:rPr lang="ko-KR" altLang="en-US" smtClean="0"/>
-              <a:t>2024-10-20</a:t>
+              <a:t>2024-10-21</a:t>
             </a:fld>
             <a:endParaRPr lang="ko-KR" altLang="en-US"/>
           </a:p>
@@ -666,7 +667,7 @@
           <a:p>
             <a:fld id="{67E942F3-D334-4749-BB9F-878947397200}" type="datetimeFigureOut">
               <a:rPr lang="ko-KR" altLang="en-US" smtClean="0"/>
-              <a:t>2024-10-20</a:t>
+              <a:t>2024-10-21</a:t>
             </a:fld>
             <a:endParaRPr lang="ko-KR" altLang="en-US"/>
           </a:p>
@@ -864,7 +865,7 @@
           <a:p>
             <a:fld id="{67E942F3-D334-4749-BB9F-878947397200}" type="datetimeFigureOut">
               <a:rPr lang="ko-KR" altLang="en-US" smtClean="0"/>
-              <a:t>2024-10-20</a:t>
+              <a:t>2024-10-21</a:t>
             </a:fld>
             <a:endParaRPr lang="ko-KR" altLang="en-US"/>
           </a:p>
@@ -1139,7 +1140,7 @@
           <a:p>
             <a:fld id="{67E942F3-D334-4749-BB9F-878947397200}" type="datetimeFigureOut">
               <a:rPr lang="ko-KR" altLang="en-US" smtClean="0"/>
-              <a:t>2024-10-20</a:t>
+              <a:t>2024-10-21</a:t>
             </a:fld>
             <a:endParaRPr lang="ko-KR" altLang="en-US"/>
           </a:p>
@@ -1404,7 +1405,7 @@
           <a:p>
             <a:fld id="{67E942F3-D334-4749-BB9F-878947397200}" type="datetimeFigureOut">
               <a:rPr lang="ko-KR" altLang="en-US" smtClean="0"/>
-              <a:t>2024-10-20</a:t>
+              <a:t>2024-10-21</a:t>
             </a:fld>
             <a:endParaRPr lang="ko-KR" altLang="en-US"/>
           </a:p>
@@ -1816,7 +1817,7 @@
           <a:p>
             <a:fld id="{67E942F3-D334-4749-BB9F-878947397200}" type="datetimeFigureOut">
               <a:rPr lang="ko-KR" altLang="en-US" smtClean="0"/>
-              <a:t>2024-10-20</a:t>
+              <a:t>2024-10-21</a:t>
             </a:fld>
             <a:endParaRPr lang="ko-KR" altLang="en-US"/>
           </a:p>
@@ -1957,7 +1958,7 @@
           <a:p>
             <a:fld id="{67E942F3-D334-4749-BB9F-878947397200}" type="datetimeFigureOut">
               <a:rPr lang="ko-KR" altLang="en-US" smtClean="0"/>
-              <a:t>2024-10-20</a:t>
+              <a:t>2024-10-21</a:t>
             </a:fld>
             <a:endParaRPr lang="ko-KR" altLang="en-US"/>
           </a:p>
@@ -2070,7 +2071,7 @@
           <a:p>
             <a:fld id="{67E942F3-D334-4749-BB9F-878947397200}" type="datetimeFigureOut">
               <a:rPr lang="ko-KR" altLang="en-US" smtClean="0"/>
-              <a:t>2024-10-20</a:t>
+              <a:t>2024-10-21</a:t>
             </a:fld>
             <a:endParaRPr lang="ko-KR" altLang="en-US"/>
           </a:p>
@@ -2381,7 +2382,7 @@
           <a:p>
             <a:fld id="{67E942F3-D334-4749-BB9F-878947397200}" type="datetimeFigureOut">
               <a:rPr lang="ko-KR" altLang="en-US" smtClean="0"/>
-              <a:t>2024-10-20</a:t>
+              <a:t>2024-10-21</a:t>
             </a:fld>
             <a:endParaRPr lang="ko-KR" altLang="en-US"/>
           </a:p>
@@ -2669,7 +2670,7 @@
           <a:p>
             <a:fld id="{67E942F3-D334-4749-BB9F-878947397200}" type="datetimeFigureOut">
               <a:rPr lang="ko-KR" altLang="en-US" smtClean="0"/>
-              <a:t>2024-10-20</a:t>
+              <a:t>2024-10-21</a:t>
             </a:fld>
             <a:endParaRPr lang="ko-KR" altLang="en-US"/>
           </a:p>
@@ -2910,7 +2911,7 @@
           <a:p>
             <a:fld id="{67E942F3-D334-4749-BB9F-878947397200}" type="datetimeFigureOut">
               <a:rPr lang="ko-KR" altLang="en-US" smtClean="0"/>
-              <a:t>2024-10-20</a:t>
+              <a:t>2024-10-21</a:t>
             </a:fld>
             <a:endParaRPr lang="ko-KR" altLang="en-US"/>
           </a:p>
@@ -10315,6 +10316,83 @@
     <p:extLst>
       <p:ext uri="{BB962C8B-B14F-4D97-AF65-F5344CB8AC3E}">
         <p14:creationId xmlns:p14="http://schemas.microsoft.com/office/powerpoint/2010/main" val="2533849072"/>
+      </p:ext>
+    </p:extLst>
+  </p:cSld>
+  <p:clrMapOvr>
+    <a:masterClrMapping/>
+  </p:clrMapOvr>
+</p:sld>
+</file>
+
+<file path=ppt/slides/slide3.xml><?xml version="1.0" encoding="utf-8"?>
+<p:sld xmlns:a="http://schemas.openxmlformats.org/drawingml/2006/main" xmlns:r="http://schemas.openxmlformats.org/officeDocument/2006/relationships" xmlns:p="http://schemas.openxmlformats.org/presentationml/2006/main">
+  <p:cSld>
+    <p:spTree>
+      <p:nvGrpSpPr>
+        <p:cNvPr id="1" name=""/>
+        <p:cNvGrpSpPr/>
+        <p:nvPr/>
+      </p:nvGrpSpPr>
+      <p:grpSpPr>
+        <a:xfrm>
+          <a:off x="0" y="0"/>
+          <a:ext cx="0" cy="0"/>
+          <a:chOff x="0" y="0"/>
+          <a:chExt cx="0" cy="0"/>
+        </a:xfrm>
+      </p:grpSpPr>
+      <p:sp>
+        <p:nvSpPr>
+          <p:cNvPr id="2" name="화살표: 아래쪽 1">
+            <a:extLst>
+              <a:ext uri="{FF2B5EF4-FFF2-40B4-BE49-F238E27FC236}">
+                <a16:creationId xmlns:a16="http://schemas.microsoft.com/office/drawing/2014/main" id="{C45766D2-998B-73DD-D9DD-1C8B06855825}"/>
+              </a:ext>
+            </a:extLst>
+          </p:cNvPr>
+          <p:cNvSpPr/>
+          <p:nvPr/>
+        </p:nvSpPr>
+        <p:spPr>
+          <a:xfrm>
+            <a:off x="1546502" y="736430"/>
+            <a:ext cx="552322" cy="638238"/>
+          </a:xfrm>
+          <a:prstGeom prst="downArrow">
+            <a:avLst>
+              <a:gd name="adj1" fmla="val 32222"/>
+              <a:gd name="adj2" fmla="val 50000"/>
+            </a:avLst>
+          </a:prstGeom>
+        </p:spPr>
+        <p:style>
+          <a:lnRef idx="3">
+            <a:schemeClr val="lt1"/>
+          </a:lnRef>
+          <a:fillRef idx="1">
+            <a:schemeClr val="accent6"/>
+          </a:fillRef>
+          <a:effectRef idx="1">
+            <a:schemeClr val="accent6"/>
+          </a:effectRef>
+          <a:fontRef idx="minor">
+            <a:schemeClr val="lt1"/>
+          </a:fontRef>
+        </p:style>
+        <p:txBody>
+          <a:bodyPr rtlCol="0" anchor="ctr"/>
+          <a:lstStyle/>
+          <a:p>
+            <a:pPr algn="ctr"/>
+            <a:endParaRPr lang="ko-KR" altLang="en-US"/>
+          </a:p>
+        </p:txBody>
+      </p:sp>
+    </p:spTree>
+    <p:extLst>
+      <p:ext uri="{BB962C8B-B14F-4D97-AF65-F5344CB8AC3E}">
+        <p14:creationId xmlns:p14="http://schemas.microsoft.com/office/powerpoint/2010/main" val="1043016769"/>
       </p:ext>
     </p:extLst>
   </p:cSld>
